--- a/2048-Game.pptx
+++ b/2048-Game.pptx
@@ -4108,8 +4108,8 @@
         </p:blipFill>
         <p:spPr>
           <a:xfrm>
-            <a:off x="2864125" y="112975"/>
-            <a:ext cx="6190699" cy="4643024"/>
+            <a:off x="0" y="0"/>
+            <a:ext cx="9144000" cy="5143500"/>
           </a:xfrm>
           <a:prstGeom prst="rect">
             <a:avLst/>
